--- a/Presentation.pptx
+++ b/Presentation.pptx
@@ -107,6 +107,11 @@
       </a:defRPr>
     </a:lvl9pPr>
   </p:defaultTextStyle>
+  <p:extLst>
+    <p:ext uri="{EFAFB233-063F-42B5-8137-9DF3F51BA10A}">
+      <p15:sldGuideLst xmlns:p15="http://schemas.microsoft.com/office/powerpoint/2012/main"/>
+    </p:ext>
+  </p:extLst>
 </p:presentation>
 </file>
 
@@ -257,7 +262,7 @@
           <a:p>
             <a:fld id="{A1835FB9-51D3-4DA2-91C2-C3D5B403C1F7}" type="datetimeFigureOut">
               <a:rPr lang="he-IL" smtClean="0"/>
-              <a:t>י'/אייר/תשפ"ב</a:t>
+              <a:t>ב'/סיון/תשפ"ב</a:t>
             </a:fld>
             <a:endParaRPr lang="he-IL"/>
           </a:p>
@@ -455,7 +460,7 @@
           <a:p>
             <a:fld id="{A1835FB9-51D3-4DA2-91C2-C3D5B403C1F7}" type="datetimeFigureOut">
               <a:rPr lang="he-IL" smtClean="0"/>
-              <a:t>י'/אייר/תשפ"ב</a:t>
+              <a:t>ב'/סיון/תשפ"ב</a:t>
             </a:fld>
             <a:endParaRPr lang="he-IL"/>
           </a:p>
@@ -663,7 +668,7 @@
           <a:p>
             <a:fld id="{A1835FB9-51D3-4DA2-91C2-C3D5B403C1F7}" type="datetimeFigureOut">
               <a:rPr lang="he-IL" smtClean="0"/>
-              <a:t>י'/אייר/תשפ"ב</a:t>
+              <a:t>ב'/סיון/תשפ"ב</a:t>
             </a:fld>
             <a:endParaRPr lang="he-IL"/>
           </a:p>
@@ -861,7 +866,7 @@
           <a:p>
             <a:fld id="{A1835FB9-51D3-4DA2-91C2-C3D5B403C1F7}" type="datetimeFigureOut">
               <a:rPr lang="he-IL" smtClean="0"/>
-              <a:t>י'/אייר/תשפ"ב</a:t>
+              <a:t>ב'/סיון/תשפ"ב</a:t>
             </a:fld>
             <a:endParaRPr lang="he-IL"/>
           </a:p>
@@ -1136,7 +1141,7 @@
           <a:p>
             <a:fld id="{A1835FB9-51D3-4DA2-91C2-C3D5B403C1F7}" type="datetimeFigureOut">
               <a:rPr lang="he-IL" smtClean="0"/>
-              <a:t>י'/אייר/תשפ"ב</a:t>
+              <a:t>ב'/סיון/תשפ"ב</a:t>
             </a:fld>
             <a:endParaRPr lang="he-IL"/>
           </a:p>
@@ -1401,7 +1406,7 @@
           <a:p>
             <a:fld id="{A1835FB9-51D3-4DA2-91C2-C3D5B403C1F7}" type="datetimeFigureOut">
               <a:rPr lang="he-IL" smtClean="0"/>
-              <a:t>י'/אייר/תשפ"ב</a:t>
+              <a:t>ב'/סיון/תשפ"ב</a:t>
             </a:fld>
             <a:endParaRPr lang="he-IL"/>
           </a:p>
@@ -1813,7 +1818,7 @@
           <a:p>
             <a:fld id="{A1835FB9-51D3-4DA2-91C2-C3D5B403C1F7}" type="datetimeFigureOut">
               <a:rPr lang="he-IL" smtClean="0"/>
-              <a:t>י'/אייר/תשפ"ב</a:t>
+              <a:t>ב'/סיון/תשפ"ב</a:t>
             </a:fld>
             <a:endParaRPr lang="he-IL"/>
           </a:p>
@@ -1954,7 +1959,7 @@
           <a:p>
             <a:fld id="{A1835FB9-51D3-4DA2-91C2-C3D5B403C1F7}" type="datetimeFigureOut">
               <a:rPr lang="he-IL" smtClean="0"/>
-              <a:t>י'/אייר/תשפ"ב</a:t>
+              <a:t>ב'/סיון/תשפ"ב</a:t>
             </a:fld>
             <a:endParaRPr lang="he-IL"/>
           </a:p>
@@ -2067,7 +2072,7 @@
           <a:p>
             <a:fld id="{A1835FB9-51D3-4DA2-91C2-C3D5B403C1F7}" type="datetimeFigureOut">
               <a:rPr lang="he-IL" smtClean="0"/>
-              <a:t>י'/אייר/תשפ"ב</a:t>
+              <a:t>ב'/סיון/תשפ"ב</a:t>
             </a:fld>
             <a:endParaRPr lang="he-IL"/>
           </a:p>
@@ -2378,7 +2383,7 @@
           <a:p>
             <a:fld id="{A1835FB9-51D3-4DA2-91C2-C3D5B403C1F7}" type="datetimeFigureOut">
               <a:rPr lang="he-IL" smtClean="0"/>
-              <a:t>י'/אייר/תשפ"ב</a:t>
+              <a:t>ב'/סיון/תשפ"ב</a:t>
             </a:fld>
             <a:endParaRPr lang="he-IL"/>
           </a:p>
@@ -2666,7 +2671,7 @@
           <a:p>
             <a:fld id="{A1835FB9-51D3-4DA2-91C2-C3D5B403C1F7}" type="datetimeFigureOut">
               <a:rPr lang="he-IL" smtClean="0"/>
-              <a:t>י'/אייר/תשפ"ב</a:t>
+              <a:t>ב'/סיון/תשפ"ב</a:t>
             </a:fld>
             <a:endParaRPr lang="he-IL"/>
           </a:p>
@@ -2907,7 +2912,7 @@
           <a:p>
             <a:fld id="{A1835FB9-51D3-4DA2-91C2-C3D5B403C1F7}" type="datetimeFigureOut">
               <a:rPr lang="he-IL" smtClean="0"/>
-              <a:t>י'/אייר/תשפ"ב</a:t>
+              <a:t>ב'/סיון/תשפ"ב</a:t>
             </a:fld>
             <a:endParaRPr lang="he-IL"/>
           </a:p>
@@ -3813,42 +3818,7 @@
           <a:p>
             <a:r>
               <a:rPr lang="he-IL" sz="7200" dirty="0"/>
-              <a:t>אי שוויון מגדרי בתעסוקה</a:t>
-            </a:r>
-          </a:p>
-        </p:txBody>
-      </p:sp>
-      <p:sp>
-        <p:nvSpPr>
-          <p:cNvPr id="3" name="כותרת משנה 2">
-            <a:extLst>
-              <a:ext uri="{FF2B5EF4-FFF2-40B4-BE49-F238E27FC236}">
-                <a16:creationId xmlns:a16="http://schemas.microsoft.com/office/drawing/2014/main" id="{F204FF00-562E-7E93-B4E5-8EF3271850B5}"/>
-              </a:ext>
-            </a:extLst>
-          </p:cNvPr>
-          <p:cNvSpPr>
-            <a:spLocks noGrp="1"/>
-          </p:cNvSpPr>
-          <p:nvPr>
-            <p:ph type="subTitle" idx="1"/>
-          </p:nvPr>
-        </p:nvSpPr>
-        <p:spPr>
-          <a:xfrm>
-            <a:off x="1966912" y="4828302"/>
-            <a:ext cx="8258176" cy="631825"/>
-          </a:xfrm>
-        </p:spPr>
-        <p:txBody>
-          <a:bodyPr anchor="ctr">
-            <a:normAutofit/>
-          </a:bodyPr>
-          <a:lstStyle/>
-          <a:p>
-            <a:r>
-              <a:rPr lang="he-IL" sz="2800" dirty="0"/>
-              <a:t>פערים בעולם ובישראל</a:t>
+              <a:t>אי שוויון מגדרי-תעסוקתי בקולנוע</a:t>
             </a:r>
           </a:p>
         </p:txBody>
@@ -4239,7 +4209,7 @@
         </p:spPr>
         <p:txBody>
           <a:bodyPr>
-            <a:normAutofit/>
+            <a:normAutofit lnSpcReduction="10000"/>
           </a:bodyPr>
           <a:lstStyle/>
           <a:p>
@@ -4248,33 +4218,30 @@
             </a:pPr>
             <a:r>
               <a:rPr lang="he-IL" sz="2400" dirty="0"/>
-              <a:t>כתבה מינואר, 22 בנושא פערי השכר בישראל בין נשים לגברים (</a:t>
-            </a:r>
-            <a:r>
-              <a:rPr lang="he-IL" sz="2400" dirty="0">
-                <a:hlinkClick r:id="rId2"/>
-              </a:rPr>
-              <a:t>מקור</a:t>
-            </a:r>
+              <a:t>אי שוויון מגדרי בתעסוקה הינו נושא ידוע בכל העולם. יחס התעסוקה בין נשים לגברים לפי מקצוע אינו שוויוני.</a:t>
+            </a:r>
+            <a:br>
+              <a:rPr lang="en-US" sz="2400" dirty="0"/>
+            </a:br>
             <a:r>
               <a:rPr lang="he-IL" sz="2400" dirty="0"/>
-              <a:t>), עוררה בנו עניין רב לחקור את הנתונים באופן עצמאי. הנתונים המוצגים הגיעו ממקור מידע יחיד ולא רשמי(</a:t>
-            </a:r>
-            <a:r>
-              <a:rPr lang="en-US" sz="2400" dirty="0" err="1"/>
-              <a:t>AllJobs</a:t>
-            </a:r>
+              <a:t>ברצוננו לבדוק את ייצוג תפקידי הנשים בקולנוע, ולהשוות – האם תפקידי השחקנים והשחקניות בקולנוע מתפלגים באופן שווה בעלילת הסרט או באופן מייצג לאוכלוסייה? </a:t>
+            </a:r>
+            <a:br>
+              <a:rPr lang="en-US" sz="2400" dirty="0"/>
+            </a:br>
             <a:r>
               <a:rPr lang="he-IL" sz="2400" dirty="0"/>
-              <a:t>),</a:t>
-            </a:r>
-            <a:r>
-              <a:rPr lang="en-US" sz="2400" dirty="0"/>
-              <a:t> </a:t>
-            </a:r>
+              <a:t>האם ישנו אי שוויון גם בתפקידים, או שמא נעשה "תיקון" ונשים מיוצגות יותר בקולנוע מאשר במציאות?</a:t>
+            </a:r>
+          </a:p>
+          <a:p>
+            <a:pPr marL="0" indent="0">
+              <a:buNone/>
+            </a:pPr>
             <a:r>
               <a:rPr lang="he-IL" sz="2400" dirty="0"/>
-              <a:t>אשר בסיסי הנתונים שלו לא נגישים, ואנו רוצים להוסיף מקורות ידע נוספים ולהרחיב בעניין.</a:t>
+              <a:t>לדוגמה: האם ייצוג ראשי ממשלה גברים בסרטים נעשה באופן יחסי לאחוז ראשי הממשלה הגברים במציאות?</a:t>
             </a:r>
           </a:p>
           <a:p>
@@ -4586,19 +4553,25 @@
           <a:p>
             <a:r>
               <a:rPr lang="he-IL" sz="2200" dirty="0"/>
-              <a:t>לחקור את נושא הפערים בתעסוקה בין המגדרים.</a:t>
+              <a:t>לחקור את נושא הפערים בתעסוקה בקולנוע בין המגדרים.</a:t>
             </a:r>
           </a:p>
           <a:p>
             <a:r>
               <a:rPr lang="he-IL" sz="2200" dirty="0"/>
-              <a:t>לחפש קשרים בין נושאים שונים כגון: אחוזי תעסוקה, ממוצעי שכר, סוגי משרות, גילים, היקף שעות ועוד.</a:t>
+              <a:t>לחקור את השוויון בתפקידים מובילים בין נשים וגברים.</a:t>
             </a:r>
           </a:p>
           <a:p>
             <a:r>
               <a:rPr lang="he-IL" sz="2200" dirty="0"/>
-              <a:t>להציג נתונים מהעולם ובישראל בפרט, בצורה ויזואלית ומושכת, לשם העלאת המודעות ויצירת דיון ושיח.</a:t>
+              <a:t>להשוות בין התפלגות התפקידים בקולנוע, לבין התפלגות התפקידים בעולם.</a:t>
+            </a:r>
+          </a:p>
+          <a:p>
+            <a:r>
+              <a:rPr lang="he-IL" sz="2200" dirty="0"/>
+              <a:t>להציג נתונים בצורה ויזואלית ומושכת, לשם העלאת המודעות ויצירת דיון ושיח.</a:t>
             </a:r>
           </a:p>
         </p:txBody>
@@ -4909,15 +4882,31 @@
           <a:p>
             <a:r>
               <a:rPr lang="he-IL" sz="2200" dirty="0"/>
-              <a:t>שימוש במאגרי הנתונים (ניתן לעבוד עם קריאות </a:t>
-            </a:r>
-            <a:r>
-              <a:rPr lang="en-US" sz="2200" dirty="0"/>
-              <a:t>API</a:t>
+              <a:t>שימוש במאגרי הנתונים </a:t>
+            </a:r>
+            <a:r>
+              <a:rPr lang="he-IL" sz="2400" dirty="0"/>
+              <a:t>(מידע חצי מובנה בקבצי </a:t>
+            </a:r>
+            <a:r>
+              <a:rPr lang="en-US" sz="2400" dirty="0" err="1"/>
+              <a:t>tsv</a:t>
+            </a:r>
+            <a:r>
+              <a:rPr lang="he-IL" sz="2400" dirty="0"/>
+              <a:t> ו-</a:t>
+            </a:r>
+            <a:r>
+              <a:rPr lang="en-US" sz="2400" dirty="0"/>
+              <a:t>xlsx</a:t>
+            </a:r>
+            <a:r>
+              <a:rPr lang="he-IL" sz="2400" dirty="0"/>
+              <a:t>)</a:t>
             </a:r>
             <a:r>
               <a:rPr lang="he-IL" sz="2200" dirty="0"/>
-              <a:t>):</a:t>
+              <a:t>:</a:t>
             </a:r>
           </a:p>
           <a:p>
@@ -4926,33 +4915,32 @@
               <a:rPr lang="en-US" sz="1800" dirty="0">
                 <a:hlinkClick r:id="rId2"/>
               </a:rPr>
-              <a:t>https://www.cbs.gov.il/ </a:t>
+              <a:t>https://www.imdb.com/ </a:t>
             </a:r>
             <a:r>
               <a:rPr lang="en-US" sz="1800" dirty="0"/>
-              <a:t>- </a:t>
-            </a:r>
-            <a:r>
-              <a:rPr lang="en-US" sz="1800" dirty="0" err="1"/>
-              <a:t>Israels</a:t>
-            </a:r>
-            <a:r>
-              <a:rPr lang="en-US" sz="1800" dirty="0"/>
-              <a:t> Bureau of Statistics</a:t>
-            </a:r>
-            <a:endParaRPr lang="he-IL" sz="1800" dirty="0"/>
+              <a:t>- IMDB</a:t>
+            </a:r>
+            <a:r>
+              <a:rPr lang="he-IL" sz="1800" dirty="0"/>
+              <a:t> </a:t>
+            </a:r>
           </a:p>
           <a:p>
             <a:pPr lvl="1"/>
+            <a:r>
+              <a:rPr lang="he-IL" sz="1800" dirty="0"/>
+              <a:t>נתוני תעסוקה מהמציאות - </a:t>
+            </a:r>
             <a:r>
               <a:rPr lang="en-US" sz="1800" dirty="0">
                 <a:hlinkClick r:id="rId3"/>
               </a:rPr>
-              <a:t>https://data.oecd.org/ </a:t>
-            </a:r>
-            <a:r>
-              <a:rPr lang="en-US" sz="1800" dirty="0"/>
-              <a:t>- OECD database</a:t>
+              <a:t>https://www.bls.gov/cps/cpsaat11.htm</a:t>
+            </a:r>
+            <a:r>
+              <a:rPr lang="he-IL" sz="1800" dirty="0"/>
+              <a:t> </a:t>
             </a:r>
             <a:endParaRPr lang="he-IL" sz="2200" dirty="0"/>
           </a:p>

--- a/Presentation.pptx
+++ b/Presentation.pptx
@@ -4241,7 +4241,15 @@
             </a:pPr>
             <a:r>
               <a:rPr lang="he-IL" sz="2400" dirty="0"/>
-              <a:t>לדוגמה: האם ייצוג ראשי ממשלה גברים בסרטים נעשה באופן יחסי לאחוז ראשי הממשלה הגברים במציאות?</a:t>
+              <a:t>לדוגמה: האם </a:t>
+            </a:r>
+            <a:r>
+              <a:rPr lang="he-IL" sz="2400"/>
+              <a:t>ייצוג ראשי </a:t>
+            </a:r>
+            <a:r>
+              <a:rPr lang="he-IL" sz="2400" dirty="0"/>
+              <a:t>ממשלה גברים בסרטים נעשה באופן יחסי לאחוז ראשי הממשלה הגברים במציאות?</a:t>
             </a:r>
           </a:p>
           <a:p>
@@ -4930,7 +4938,15 @@
             <a:pPr lvl="1"/>
             <a:r>
               <a:rPr lang="he-IL" sz="1800" dirty="0"/>
-              <a:t>נתוני תעסוקה מהמציאות - </a:t>
+              <a:t>נתוני תעסוקה מהמציאות (</a:t>
+            </a:r>
+            <a:r>
+              <a:rPr lang="en-US" sz="1800" dirty="0"/>
+              <a:t>US BUREAU OF LABOR STATISTICS</a:t>
+            </a:r>
+            <a:r>
+              <a:rPr lang="he-IL" sz="1800" dirty="0"/>
+              <a:t>)- </a:t>
             </a:r>
             <a:r>
               <a:rPr lang="en-US" sz="1800" dirty="0">
